--- a/IP and Scripts/Data Workload Assessment Model and Tool/Workload Assessment Tools/Data Workload Assessment Model and Tool - Overview and Guidance - v3 - Embedded Tool.pptx
+++ b/IP and Scripts/Data Workload Assessment Model and Tool/Workload Assessment Tools/Data Workload Assessment Model and Tool - Overview and Guidance - v3 - Embedded Tool.pptx
@@ -245,7 +245,7 @@
               <a:rPr lang="en-US" smtClean="0">
                 <a:latin typeface="Segoe UI" pitchFamily="34" charset="0"/>
               </a:rPr>
-              <a:t>11/12/2018 4:27 PM</a:t>
+              <a:t>1/18/2020 1:51 PM</a:t>
             </a:fld>
             <a:endParaRPr lang="en-US" dirty="0">
               <a:latin typeface="Segoe UI" pitchFamily="34" charset="0"/>
@@ -539,7 +539,7 @@
           <a:p>
             <a:fld id="{D18B56EA-E28F-4F92-9F16-7A6F2501B303}" type="datetime8">
               <a:rPr lang="en-US" smtClean="0"/>
-              <a:t>11/12/2018 4:22 PM</a:t>
+              <a:t>1/18/2020 1:51 PM</a:t>
             </a:fld>
             <a:endParaRPr lang="en-US" dirty="0"/>
           </a:p>
@@ -868,7 +868,7 @@
           <a:p>
             <a:fld id="{56C2EDE2-D073-4F7E-A469-E134256712C5}" type="datetime8">
               <a:rPr lang="en-US" smtClean="0"/>
-              <a:t>11/12/2018 4:22 PM</a:t>
+              <a:t>1/18/2020 1:51 PM</a:t>
             </a:fld>
             <a:endParaRPr lang="en-US" dirty="0"/>
           </a:p>
@@ -1056,7 +1056,7 @@
           <a:p>
             <a:fld id="{26EED51F-96EB-4E4E-9B3B-EAE92F3CF0A4}" type="datetime8">
               <a:rPr lang="en-US" smtClean="0"/>
-              <a:t>11/12/2018 4:22 PM</a:t>
+              <a:t>1/18/2020 1:52 PM</a:t>
             </a:fld>
             <a:endParaRPr lang="en-US" dirty="0"/>
           </a:p>
@@ -1271,7 +1271,7 @@
           <a:p>
             <a:fld id="{26EED51F-96EB-4E4E-9B3B-EAE92F3CF0A4}" type="datetime8">
               <a:rPr lang="en-US" smtClean="0"/>
-              <a:t>11/12/2018 4:22 PM</a:t>
+              <a:t>1/18/2020 1:56 PM</a:t>
             </a:fld>
             <a:endParaRPr lang="en-US" dirty="0"/>
           </a:p>
@@ -1486,7 +1486,7 @@
           <a:p>
             <a:fld id="{26EED51F-96EB-4E4E-9B3B-EAE92F3CF0A4}" type="datetime8">
               <a:rPr lang="en-US" smtClean="0"/>
-              <a:t>11/12/2018 4:22 PM</a:t>
+              <a:t>1/18/2020 1:56 PM</a:t>
             </a:fld>
             <a:endParaRPr lang="en-US" dirty="0"/>
           </a:p>
@@ -1701,7 +1701,7 @@
           <a:p>
             <a:fld id="{26EED51F-96EB-4E4E-9B3B-EAE92F3CF0A4}" type="datetime8">
               <a:rPr lang="en-US" smtClean="0"/>
-              <a:t>11/12/2018 4:22 PM</a:t>
+              <a:t>1/18/2020 1:56 PM</a:t>
             </a:fld>
             <a:endParaRPr lang="en-US" dirty="0"/>
           </a:p>
@@ -1916,7 +1916,7 @@
           <a:p>
             <a:fld id="{26EED51F-96EB-4E4E-9B3B-EAE92F3CF0A4}" type="datetime8">
               <a:rPr lang="en-US" smtClean="0"/>
-              <a:t>11/12/2018 4:22 PM</a:t>
+              <a:t>1/18/2020 1:56 PM</a:t>
             </a:fld>
             <a:endParaRPr lang="en-US" dirty="0"/>
           </a:p>
@@ -2131,7 +2131,7 @@
           <a:p>
             <a:fld id="{26EED51F-96EB-4E4E-9B3B-EAE92F3CF0A4}" type="datetime8">
               <a:rPr lang="en-US" smtClean="0"/>
-              <a:t>11/12/2018 4:22 PM</a:t>
+              <a:t>1/18/2020 1:56 PM</a:t>
             </a:fld>
             <a:endParaRPr lang="en-US" dirty="0"/>
           </a:p>
@@ -3836,7 +3836,6 @@
             <a:ln>
               <a:noFill/>
             </a:ln>
-            <a:extLst/>
           </p:spPr>
           <p:txBody>
             <a:bodyPr vert="horz" wrap="square" lIns="91440" tIns="45720" rIns="91440" bIns="45720" numCol="1" anchor="t" anchorCtr="0" compatLnSpc="1">
@@ -10014,7 +10013,7 @@
       </p:transition>
     </mc:Fallback>
   </mc:AlternateContent>
-  <p:extLst mod="1">
+  <p:extLst>
     <p:ext uri="{DCECCB84-F9BA-43D5-87BE-67443E8EF086}">
       <p15:sldGuideLst xmlns:p15="http://schemas.microsoft.com/office/powerpoint/2012/main">
         <p15:guide id="1" pos="3427" userDrawn="1">
@@ -10652,7 +10651,7 @@
       </a:lvl9pPr>
     </p:otherStyle>
   </p:txStyles>
-  <p:extLst mod="1">
+  <p:extLst>
     <p:ext uri="{27BBF7A9-308A-43DC-89C8-2F10F3537804}">
       <p15:sldGuideLst xmlns:p15="http://schemas.microsoft.com/office/powerpoint/2012/main">
         <p15:guide id="1" orient="horz" pos="187">
@@ -10885,6 +10884,74 @@
           <a:p>
             <a:pPr lvl="0"/>
             <a:endParaRPr lang="en-US" sz="2400" dirty="0"/>
+          </a:p>
+        </p:txBody>
+      </p:sp>
+      <p:sp>
+        <p:nvSpPr>
+          <p:cNvPr id="4" name="TextBox 3">
+            <a:extLst>
+              <a:ext uri="{FF2B5EF4-FFF2-40B4-BE49-F238E27FC236}">
+                <a16:creationId xmlns:a16="http://schemas.microsoft.com/office/drawing/2014/main" id="{DC9C4CFA-03C2-4DFF-B2A6-760A8F576CAC}"/>
+              </a:ext>
+            </a:extLst>
+          </p:cNvPr>
+          <p:cNvSpPr txBox="1"/>
+          <p:nvPr/>
+        </p:nvSpPr>
+        <p:spPr>
+          <a:xfrm>
+            <a:off x="8656637" y="6524116"/>
+            <a:ext cx="4724400" cy="489365"/>
+          </a:xfrm>
+          <a:prstGeom prst="rect">
+            <a:avLst/>
+          </a:prstGeom>
+          <a:noFill/>
+        </p:spPr>
+        <p:txBody>
+          <a:bodyPr wrap="square" lIns="182880" tIns="146304" rIns="182880" bIns="146304" rtlCol="0">
+            <a:spAutoFit/>
+          </a:bodyPr>
+          <a:lstStyle/>
+          <a:p>
+            <a:pPr>
+              <a:lnSpc>
+                <a:spcPct val="90000"/>
+              </a:lnSpc>
+              <a:spcAft>
+                <a:spcPts val="600"/>
+              </a:spcAft>
+            </a:pPr>
+            <a:r>
+              <a:rPr lang="en-US" sz="1400" dirty="0">
+                <a:gradFill>
+                  <a:gsLst>
+                    <a:gs pos="2917">
+                      <a:schemeClr val="tx1"/>
+                    </a:gs>
+                    <a:gs pos="30000">
+                      <a:schemeClr val="tx1"/>
+                    </a:gs>
+                  </a:gsLst>
+                  <a:lin ang="5400000" scaled="0"/>
+                </a:gradFill>
+              </a:rPr>
+              <a:t>Data Migration Jumpstart Engineering Team</a:t>
+            </a:r>
+            <a:endParaRPr lang="en-US" sz="2400" dirty="0">
+              <a:gradFill>
+                <a:gsLst>
+                  <a:gs pos="2917">
+                    <a:schemeClr val="tx1"/>
+                  </a:gs>
+                  <a:gs pos="30000">
+                    <a:schemeClr val="tx1"/>
+                  </a:gs>
+                </a:gsLst>
+                <a:lin ang="5400000" scaled="0"/>
+              </a:gradFill>
+            </a:endParaRPr>
           </a:p>
         </p:txBody>
       </p:sp>
@@ -11288,6 +11355,74 @@
           </p:spPr>
         </p:pic>
       </p:grpSp>
+      <p:sp>
+        <p:nvSpPr>
+          <p:cNvPr id="10" name="TextBox 9">
+            <a:extLst>
+              <a:ext uri="{FF2B5EF4-FFF2-40B4-BE49-F238E27FC236}">
+                <a16:creationId xmlns:a16="http://schemas.microsoft.com/office/drawing/2014/main" id="{91EE8148-7A9D-499E-AE8B-3D5F7B13608B}"/>
+              </a:ext>
+            </a:extLst>
+          </p:cNvPr>
+          <p:cNvSpPr txBox="1"/>
+          <p:nvPr/>
+        </p:nvSpPr>
+        <p:spPr>
+          <a:xfrm>
+            <a:off x="8656637" y="6524116"/>
+            <a:ext cx="4724400" cy="489365"/>
+          </a:xfrm>
+          <a:prstGeom prst="rect">
+            <a:avLst/>
+          </a:prstGeom>
+          <a:noFill/>
+        </p:spPr>
+        <p:txBody>
+          <a:bodyPr wrap="square" lIns="182880" tIns="146304" rIns="182880" bIns="146304" rtlCol="0">
+            <a:spAutoFit/>
+          </a:bodyPr>
+          <a:lstStyle/>
+          <a:p>
+            <a:pPr>
+              <a:lnSpc>
+                <a:spcPct val="90000"/>
+              </a:lnSpc>
+              <a:spcAft>
+                <a:spcPts val="600"/>
+              </a:spcAft>
+            </a:pPr>
+            <a:r>
+              <a:rPr lang="en-US" sz="1400" dirty="0">
+                <a:gradFill>
+                  <a:gsLst>
+                    <a:gs pos="2917">
+                      <a:schemeClr val="tx1"/>
+                    </a:gs>
+                    <a:gs pos="30000">
+                      <a:schemeClr val="tx1"/>
+                    </a:gs>
+                  </a:gsLst>
+                  <a:lin ang="5400000" scaled="0"/>
+                </a:gradFill>
+              </a:rPr>
+              <a:t>Data Migration Jumpstart Engineering Team</a:t>
+            </a:r>
+            <a:endParaRPr lang="en-US" sz="2400" dirty="0">
+              <a:gradFill>
+                <a:gsLst>
+                  <a:gs pos="2917">
+                    <a:schemeClr val="tx1"/>
+                  </a:gs>
+                  <a:gs pos="30000">
+                    <a:schemeClr val="tx1"/>
+                  </a:gs>
+                </a:gsLst>
+                <a:lin ang="5400000" scaled="0"/>
+              </a:gradFill>
+            </a:endParaRPr>
+          </a:p>
+        </p:txBody>
+      </p:sp>
     </p:spTree>
     <p:extLst>
       <p:ext uri="{BB962C8B-B14F-4D97-AF65-F5344CB8AC3E}">
@@ -11575,6 +11710,74 @@
           </a:prstGeom>
         </p:spPr>
       </p:pic>
+      <p:sp>
+        <p:nvSpPr>
+          <p:cNvPr id="5" name="TextBox 4">
+            <a:extLst>
+              <a:ext uri="{FF2B5EF4-FFF2-40B4-BE49-F238E27FC236}">
+                <a16:creationId xmlns:a16="http://schemas.microsoft.com/office/drawing/2014/main" id="{7CAF9552-4C0D-4625-A7D7-5184AA5374BD}"/>
+              </a:ext>
+            </a:extLst>
+          </p:cNvPr>
+          <p:cNvSpPr txBox="1"/>
+          <p:nvPr/>
+        </p:nvSpPr>
+        <p:spPr>
+          <a:xfrm>
+            <a:off x="8656637" y="6524116"/>
+            <a:ext cx="4724400" cy="489365"/>
+          </a:xfrm>
+          <a:prstGeom prst="rect">
+            <a:avLst/>
+          </a:prstGeom>
+          <a:noFill/>
+        </p:spPr>
+        <p:txBody>
+          <a:bodyPr wrap="square" lIns="182880" tIns="146304" rIns="182880" bIns="146304" rtlCol="0">
+            <a:spAutoFit/>
+          </a:bodyPr>
+          <a:lstStyle/>
+          <a:p>
+            <a:pPr>
+              <a:lnSpc>
+                <a:spcPct val="90000"/>
+              </a:lnSpc>
+              <a:spcAft>
+                <a:spcPts val="600"/>
+              </a:spcAft>
+            </a:pPr>
+            <a:r>
+              <a:rPr lang="en-US" sz="1400" dirty="0">
+                <a:gradFill>
+                  <a:gsLst>
+                    <a:gs pos="2917">
+                      <a:schemeClr val="tx1"/>
+                    </a:gs>
+                    <a:gs pos="30000">
+                      <a:schemeClr val="tx1"/>
+                    </a:gs>
+                  </a:gsLst>
+                  <a:lin ang="5400000" scaled="0"/>
+                </a:gradFill>
+              </a:rPr>
+              <a:t>Data Migration Jumpstart Engineering Team</a:t>
+            </a:r>
+            <a:endParaRPr lang="en-US" sz="2400" dirty="0">
+              <a:gradFill>
+                <a:gsLst>
+                  <a:gs pos="2917">
+                    <a:schemeClr val="tx1"/>
+                  </a:gs>
+                  <a:gs pos="30000">
+                    <a:schemeClr val="tx1"/>
+                  </a:gs>
+                </a:gsLst>
+                <a:lin ang="5400000" scaled="0"/>
+              </a:gradFill>
+            </a:endParaRPr>
+          </a:p>
+        </p:txBody>
+      </p:sp>
     </p:spTree>
     <p:extLst>
       <p:ext uri="{BB962C8B-B14F-4D97-AF65-F5344CB8AC3E}">
@@ -18610,6 +18813,74 @@
           </p:txBody>
         </p:sp>
       </p:grpSp>
+      <p:sp>
+        <p:nvSpPr>
+          <p:cNvPr id="29" name="TextBox 28">
+            <a:extLst>
+              <a:ext uri="{FF2B5EF4-FFF2-40B4-BE49-F238E27FC236}">
+                <a16:creationId xmlns:a16="http://schemas.microsoft.com/office/drawing/2014/main" id="{9F4FE44A-26B8-4927-888A-E86B0A8C64C6}"/>
+              </a:ext>
+            </a:extLst>
+          </p:cNvPr>
+          <p:cNvSpPr txBox="1"/>
+          <p:nvPr/>
+        </p:nvSpPr>
+        <p:spPr>
+          <a:xfrm>
+            <a:off x="8656637" y="6524116"/>
+            <a:ext cx="4724400" cy="489365"/>
+          </a:xfrm>
+          <a:prstGeom prst="rect">
+            <a:avLst/>
+          </a:prstGeom>
+          <a:noFill/>
+        </p:spPr>
+        <p:txBody>
+          <a:bodyPr wrap="square" lIns="182880" tIns="146304" rIns="182880" bIns="146304" rtlCol="0">
+            <a:spAutoFit/>
+          </a:bodyPr>
+          <a:lstStyle/>
+          <a:p>
+            <a:pPr>
+              <a:lnSpc>
+                <a:spcPct val="90000"/>
+              </a:lnSpc>
+              <a:spcAft>
+                <a:spcPts val="600"/>
+              </a:spcAft>
+            </a:pPr>
+            <a:r>
+              <a:rPr lang="en-US" sz="1400" dirty="0">
+                <a:gradFill>
+                  <a:gsLst>
+                    <a:gs pos="2917">
+                      <a:schemeClr val="tx1"/>
+                    </a:gs>
+                    <a:gs pos="30000">
+                      <a:schemeClr val="tx1"/>
+                    </a:gs>
+                  </a:gsLst>
+                  <a:lin ang="5400000" scaled="0"/>
+                </a:gradFill>
+              </a:rPr>
+              <a:t>Data Migration Jumpstart Engineering Team</a:t>
+            </a:r>
+            <a:endParaRPr lang="en-US" sz="2400" dirty="0">
+              <a:gradFill>
+                <a:gsLst>
+                  <a:gs pos="2917">
+                    <a:schemeClr val="tx1"/>
+                  </a:gs>
+                  <a:gs pos="30000">
+                    <a:schemeClr val="tx1"/>
+                  </a:gs>
+                </a:gsLst>
+                <a:lin ang="5400000" scaled="0"/>
+              </a:gradFill>
+            </a:endParaRPr>
+          </a:p>
+        </p:txBody>
+      </p:sp>
     </p:spTree>
     <p:extLst>
       <p:ext uri="{BB962C8B-B14F-4D97-AF65-F5344CB8AC3E}">
@@ -18739,6 +19010,74 @@
           </a:effectLst>
         </p:spPr>
       </p:pic>
+      <p:sp>
+        <p:nvSpPr>
+          <p:cNvPr id="4" name="TextBox 3">
+            <a:extLst>
+              <a:ext uri="{FF2B5EF4-FFF2-40B4-BE49-F238E27FC236}">
+                <a16:creationId xmlns:a16="http://schemas.microsoft.com/office/drawing/2014/main" id="{89482B8C-B44A-4E4E-8330-CDB0574A0117}"/>
+              </a:ext>
+            </a:extLst>
+          </p:cNvPr>
+          <p:cNvSpPr txBox="1"/>
+          <p:nvPr/>
+        </p:nvSpPr>
+        <p:spPr>
+          <a:xfrm>
+            <a:off x="8656637" y="6524116"/>
+            <a:ext cx="4724400" cy="489365"/>
+          </a:xfrm>
+          <a:prstGeom prst="rect">
+            <a:avLst/>
+          </a:prstGeom>
+          <a:noFill/>
+        </p:spPr>
+        <p:txBody>
+          <a:bodyPr wrap="square" lIns="182880" tIns="146304" rIns="182880" bIns="146304" rtlCol="0">
+            <a:spAutoFit/>
+          </a:bodyPr>
+          <a:lstStyle/>
+          <a:p>
+            <a:pPr>
+              <a:lnSpc>
+                <a:spcPct val="90000"/>
+              </a:lnSpc>
+              <a:spcAft>
+                <a:spcPts val="600"/>
+              </a:spcAft>
+            </a:pPr>
+            <a:r>
+              <a:rPr lang="en-US" sz="1400" dirty="0">
+                <a:gradFill>
+                  <a:gsLst>
+                    <a:gs pos="2917">
+                      <a:schemeClr val="tx1"/>
+                    </a:gs>
+                    <a:gs pos="30000">
+                      <a:schemeClr val="tx1"/>
+                    </a:gs>
+                  </a:gsLst>
+                  <a:lin ang="5400000" scaled="0"/>
+                </a:gradFill>
+              </a:rPr>
+              <a:t>Data Migration Jumpstart Engineering Team</a:t>
+            </a:r>
+            <a:endParaRPr lang="en-US" sz="2400" dirty="0">
+              <a:gradFill>
+                <a:gsLst>
+                  <a:gs pos="2917">
+                    <a:schemeClr val="tx1"/>
+                  </a:gs>
+                  <a:gs pos="30000">
+                    <a:schemeClr val="tx1"/>
+                  </a:gs>
+                </a:gsLst>
+                <a:lin ang="5400000" scaled="0"/>
+              </a:gradFill>
+            </a:endParaRPr>
+          </a:p>
+        </p:txBody>
+      </p:sp>
     </p:spTree>
     <p:extLst>
       <p:ext uri="{BB962C8B-B14F-4D97-AF65-F5344CB8AC3E}">
@@ -18868,6 +19207,74 @@
           </a:effectLst>
         </p:spPr>
       </p:pic>
+      <p:sp>
+        <p:nvSpPr>
+          <p:cNvPr id="5" name="TextBox 4">
+            <a:extLst>
+              <a:ext uri="{FF2B5EF4-FFF2-40B4-BE49-F238E27FC236}">
+                <a16:creationId xmlns:a16="http://schemas.microsoft.com/office/drawing/2014/main" id="{60617E12-FCFE-4B2E-ACE0-B23571DEC084}"/>
+              </a:ext>
+            </a:extLst>
+          </p:cNvPr>
+          <p:cNvSpPr txBox="1"/>
+          <p:nvPr/>
+        </p:nvSpPr>
+        <p:spPr>
+          <a:xfrm>
+            <a:off x="8656637" y="6524116"/>
+            <a:ext cx="4724400" cy="489365"/>
+          </a:xfrm>
+          <a:prstGeom prst="rect">
+            <a:avLst/>
+          </a:prstGeom>
+          <a:noFill/>
+        </p:spPr>
+        <p:txBody>
+          <a:bodyPr wrap="square" lIns="182880" tIns="146304" rIns="182880" bIns="146304" rtlCol="0">
+            <a:spAutoFit/>
+          </a:bodyPr>
+          <a:lstStyle/>
+          <a:p>
+            <a:pPr>
+              <a:lnSpc>
+                <a:spcPct val="90000"/>
+              </a:lnSpc>
+              <a:spcAft>
+                <a:spcPts val="600"/>
+              </a:spcAft>
+            </a:pPr>
+            <a:r>
+              <a:rPr lang="en-US" sz="1400" dirty="0">
+                <a:gradFill>
+                  <a:gsLst>
+                    <a:gs pos="2917">
+                      <a:schemeClr val="tx1"/>
+                    </a:gs>
+                    <a:gs pos="30000">
+                      <a:schemeClr val="tx1"/>
+                    </a:gs>
+                  </a:gsLst>
+                  <a:lin ang="5400000" scaled="0"/>
+                </a:gradFill>
+              </a:rPr>
+              <a:t>Data Migration Jumpstart Engineering Team</a:t>
+            </a:r>
+            <a:endParaRPr lang="en-US" sz="2400" dirty="0">
+              <a:gradFill>
+                <a:gsLst>
+                  <a:gs pos="2917">
+                    <a:schemeClr val="tx1"/>
+                  </a:gs>
+                  <a:gs pos="30000">
+                    <a:schemeClr val="tx1"/>
+                  </a:gs>
+                </a:gsLst>
+                <a:lin ang="5400000" scaled="0"/>
+              </a:gradFill>
+            </a:endParaRPr>
+          </a:p>
+        </p:txBody>
+      </p:sp>
     </p:spTree>
     <p:extLst>
       <p:ext uri="{BB962C8B-B14F-4D97-AF65-F5344CB8AC3E}">
@@ -18972,25 +19379,25 @@
           <p:nvPr>
             <p:extLst>
               <p:ext uri="{D42A27DB-BD31-4B8C-83A1-F6EECF244321}">
-                <p14:modId xmlns:p14="http://schemas.microsoft.com/office/powerpoint/2010/main" val="3709800653"/>
+                <p14:modId xmlns:p14="http://schemas.microsoft.com/office/powerpoint/2010/main" val="355874245"/>
               </p:ext>
             </p:extLst>
           </p:nvPr>
         </p:nvGraphicFramePr>
         <p:xfrm>
-          <a:off x="1189037" y="1820862"/>
-          <a:ext cx="9311405" cy="5259389"/>
+          <a:off x="3903663" y="1762125"/>
+          <a:ext cx="3879850" cy="5378450"/>
         </p:xfrm>
         <a:graphic>
           <a:graphicData uri="http://schemas.openxmlformats.org/presentationml/2006/ole">
             <mc:AlternateContent xmlns:mc="http://schemas.openxmlformats.org/markup-compatibility/2006">
               <mc:Choice xmlns:v="urn:schemas-microsoft-com:vml" Requires="v">
-                <p:oleObj spid="_x0000_s1026" name="Macro-Enabled Worksheet" showAsIcon="1" r:id="rId4" imgW="914400" imgH="771480" progId="Excel.SheetMacroEnabled.12">
+                <p:oleObj spid="_x0000_s1027" name="Macro-Enabled Worksheet" showAsIcon="1" r:id="rId4" imgW="380982" imgH="788599" progId="Excel.SheetMacroEnabled.12">
                   <p:embed/>
                 </p:oleObj>
               </mc:Choice>
               <mc:Fallback>
-                <p:oleObj name="Macro-Enabled Worksheet" showAsIcon="1" r:id="rId4" imgW="914400" imgH="771480" progId="Excel.SheetMacroEnabled.12">
+                <p:oleObj name="Macro-Enabled Worksheet" showAsIcon="1" r:id="rId4" imgW="380982" imgH="788599" progId="Excel.SheetMacroEnabled.12">
                   <p:embed/>
                   <p:pic>
                     <p:nvPicPr>
@@ -19012,8 +19419,8 @@
                     </p:blipFill>
                     <p:spPr>
                       <a:xfrm>
-                        <a:off x="1189037" y="1820862"/>
-                        <a:ext cx="9311405" cy="5259389"/>
+                        <a:off x="3903663" y="1762125"/>
+                        <a:ext cx="3879850" cy="5378450"/>
                       </a:xfrm>
                       <a:prstGeom prst="rect">
                         <a:avLst/>
@@ -19026,6 +19433,74 @@
           </a:graphicData>
         </a:graphic>
       </p:graphicFrame>
+      <p:sp>
+        <p:nvSpPr>
+          <p:cNvPr id="4" name="TextBox 3">
+            <a:extLst>
+              <a:ext uri="{FF2B5EF4-FFF2-40B4-BE49-F238E27FC236}">
+                <a16:creationId xmlns:a16="http://schemas.microsoft.com/office/drawing/2014/main" id="{CDF67FAB-A990-43D0-8B56-18B7975C4638}"/>
+              </a:ext>
+            </a:extLst>
+          </p:cNvPr>
+          <p:cNvSpPr txBox="1"/>
+          <p:nvPr/>
+        </p:nvSpPr>
+        <p:spPr>
+          <a:xfrm>
+            <a:off x="8656637" y="6524116"/>
+            <a:ext cx="4724400" cy="489365"/>
+          </a:xfrm>
+          <a:prstGeom prst="rect">
+            <a:avLst/>
+          </a:prstGeom>
+          <a:noFill/>
+        </p:spPr>
+        <p:txBody>
+          <a:bodyPr wrap="square" lIns="182880" tIns="146304" rIns="182880" bIns="146304" rtlCol="0">
+            <a:spAutoFit/>
+          </a:bodyPr>
+          <a:lstStyle/>
+          <a:p>
+            <a:pPr>
+              <a:lnSpc>
+                <a:spcPct val="90000"/>
+              </a:lnSpc>
+              <a:spcAft>
+                <a:spcPts val="600"/>
+              </a:spcAft>
+            </a:pPr>
+            <a:r>
+              <a:rPr lang="en-US" sz="1400" dirty="0">
+                <a:gradFill>
+                  <a:gsLst>
+                    <a:gs pos="2917">
+                      <a:schemeClr val="tx1"/>
+                    </a:gs>
+                    <a:gs pos="30000">
+                      <a:schemeClr val="tx1"/>
+                    </a:gs>
+                  </a:gsLst>
+                  <a:lin ang="5400000" scaled="0"/>
+                </a:gradFill>
+              </a:rPr>
+              <a:t>Data Migration Jumpstart Engineering Team</a:t>
+            </a:r>
+            <a:endParaRPr lang="en-US" sz="2400" dirty="0">
+              <a:gradFill>
+                <a:gsLst>
+                  <a:gs pos="2917">
+                    <a:schemeClr val="tx1"/>
+                  </a:gs>
+                  <a:gs pos="30000">
+                    <a:schemeClr val="tx1"/>
+                  </a:gs>
+                </a:gsLst>
+                <a:lin ang="5400000" scaled="0"/>
+              </a:gradFill>
+            </a:endParaRPr>
+          </a:p>
+        </p:txBody>
+      </p:sp>
     </p:spTree>
     <p:extLst>
       <p:ext uri="{BB962C8B-B14F-4D97-AF65-F5344CB8AC3E}">
@@ -19920,6 +20395,21 @@
 </file>
 
 <file path=customXml/item1.xml><?xml version="1.0" encoding="utf-8"?>
+<?mso-contentType ?>
+<FormTemplates xmlns="http://schemas.microsoft.com/sharepoint/v3/contenttype/forms">
+  <Display>DocumentLibraryForm</Display>
+  <Edit>DocumentLibraryForm</Edit>
+  <New>DocumentLibraryForm</New>
+</FormTemplates>
+</file>
+
+<file path=customXml/item2.xml><?xml version="1.0" encoding="utf-8"?>
+<p:properties xmlns:p="http://schemas.microsoft.com/office/2006/metadata/properties" xmlns:xsi="http://www.w3.org/2001/XMLSchema-instance" xmlns:pc="http://schemas.microsoft.com/office/infopath/2007/PartnerControls">
+  <documentManagement/>
+</p:properties>
+</file>
+
+<file path=customXml/item3.xml><?xml version="1.0" encoding="utf-8"?>
 <ct:contentTypeSchema xmlns:ct="http://schemas.microsoft.com/office/2006/metadata/contentType" xmlns:ma="http://schemas.microsoft.com/office/2006/metadata/properties/metaAttributes" ct:_="" ma:_="" ma:contentTypeName="Document" ma:contentTypeID="0x0101001663038BF9716642BCA9BEDEEEE991E8" ma:contentTypeVersion="10" ma:contentTypeDescription="Create a new document." ma:contentTypeScope="" ma:versionID="8c37f2265097ab2a1a8ca6511293cc18">
   <xsd:schema xmlns:xsd="http://www.w3.org/2001/XMLSchema" xmlns:xs="http://www.w3.org/2001/XMLSchema" xmlns:p="http://schemas.microsoft.com/office/2006/metadata/properties" xmlns:ns2="4053a332-7d8e-488d-aba6-ad6dfa6b0f2d" xmlns:ns3="6e4f6676-91ee-47a5-8164-c59c33586ba7" targetNamespace="http://schemas.microsoft.com/office/2006/metadata/properties" ma:root="true" ma:fieldsID="922c1d919ec7206f465f09fbb4121dee" ns2:_="" ns3:_="">
     <xsd:import namespace="4053a332-7d8e-488d-aba6-ad6dfa6b0f2d"/>
@@ -20124,36 +20614,10 @@
 </ct:contentTypeSchema>
 </file>
 
-<file path=customXml/item2.xml><?xml version="1.0" encoding="utf-8"?>
-<p:properties xmlns:p="http://schemas.microsoft.com/office/2006/metadata/properties" xmlns:xsi="http://www.w3.org/2001/XMLSchema-instance" xmlns:pc="http://schemas.microsoft.com/office/infopath/2007/PartnerControls">
-  <documentManagement/>
-</p:properties>
-</file>
-
-<file path=customXml/item3.xml><?xml version="1.0" encoding="utf-8"?>
-<?mso-contentType ?>
-<FormTemplates xmlns="http://schemas.microsoft.com/sharepoint/v3/contenttype/forms">
-  <Display>DocumentLibraryForm</Display>
-  <Edit>DocumentLibraryForm</Edit>
-  <New>DocumentLibraryForm</New>
-</FormTemplates>
-</file>
-
 <file path=customXml/itemProps1.xml><?xml version="1.0" encoding="utf-8"?>
-<ds:datastoreItem xmlns:ds="http://schemas.openxmlformats.org/officeDocument/2006/customXml" ds:itemID="{85338F74-B976-4101-955D-1A3C117F4A0E}">
+<ds:datastoreItem xmlns:ds="http://schemas.openxmlformats.org/officeDocument/2006/customXml" ds:itemID="{758FDAC0-319D-4A54-8D8E-1D42CB1F8004}">
   <ds:schemaRefs>
-    <ds:schemaRef ds:uri="http://schemas.microsoft.com/office/2006/metadata/contentType"/>
-    <ds:schemaRef ds:uri="http://schemas.microsoft.com/office/2006/metadata/properties/metaAttributes"/>
-    <ds:schemaRef ds:uri="http://www.w3.org/2001/XMLSchema"/>
-    <ds:schemaRef ds:uri="http://schemas.microsoft.com/office/2006/metadata/properties"/>
-    <ds:schemaRef ds:uri="4053a332-7d8e-488d-aba6-ad6dfa6b0f2d"/>
-    <ds:schemaRef ds:uri="6e4f6676-91ee-47a5-8164-c59c33586ba7"/>
-    <ds:schemaRef ds:uri="http://schemas.microsoft.com/office/2006/documentManagement/types"/>
-    <ds:schemaRef ds:uri="http://schemas.microsoft.com/office/infopath/2007/PartnerControls"/>
-    <ds:schemaRef ds:uri="http://schemas.openxmlformats.org/package/2006/metadata/core-properties"/>
-    <ds:schemaRef ds:uri="http://purl.org/dc/elements/1.1/"/>
-    <ds:schemaRef ds:uri="http://purl.org/dc/terms/"/>
-    <ds:schemaRef ds:uri="http://schemas.microsoft.com/internal/obd"/>
+    <ds:schemaRef ds:uri="http://schemas.microsoft.com/sharepoint/v3/contenttype/forms"/>
   </ds:schemaRefs>
 </ds:datastoreItem>
 </file>
@@ -20176,9 +20640,20 @@
 </file>
 
 <file path=customXml/itemProps3.xml><?xml version="1.0" encoding="utf-8"?>
-<ds:datastoreItem xmlns:ds="http://schemas.openxmlformats.org/officeDocument/2006/customXml" ds:itemID="{758FDAC0-319D-4A54-8D8E-1D42CB1F8004}">
+<ds:datastoreItem xmlns:ds="http://schemas.openxmlformats.org/officeDocument/2006/customXml" ds:itemID="{85338F74-B976-4101-955D-1A3C117F4A0E}">
   <ds:schemaRefs>
-    <ds:schemaRef ds:uri="http://schemas.microsoft.com/sharepoint/v3/contenttype/forms"/>
+    <ds:schemaRef ds:uri="http://schemas.microsoft.com/office/2006/metadata/contentType"/>
+    <ds:schemaRef ds:uri="http://schemas.microsoft.com/office/2006/metadata/properties/metaAttributes"/>
+    <ds:schemaRef ds:uri="http://www.w3.org/2001/XMLSchema"/>
+    <ds:schemaRef ds:uri="http://schemas.microsoft.com/office/2006/metadata/properties"/>
+    <ds:schemaRef ds:uri="4053a332-7d8e-488d-aba6-ad6dfa6b0f2d"/>
+    <ds:schemaRef ds:uri="6e4f6676-91ee-47a5-8164-c59c33586ba7"/>
+    <ds:schemaRef ds:uri="http://schemas.microsoft.com/office/2006/documentManagement/types"/>
+    <ds:schemaRef ds:uri="http://schemas.microsoft.com/office/infopath/2007/PartnerControls"/>
+    <ds:schemaRef ds:uri="http://schemas.openxmlformats.org/package/2006/metadata/core-properties"/>
+    <ds:schemaRef ds:uri="http://purl.org/dc/elements/1.1/"/>
+    <ds:schemaRef ds:uri="http://purl.org/dc/terms/"/>
+    <ds:schemaRef ds:uri="http://schemas.microsoft.com/internal/obd"/>
   </ds:schemaRefs>
 </ds:datastoreItem>
 </file>
--- a/IP and Scripts/Data Workload Assessment Model and Tool/Workload Assessment Tools/Data Workload Assessment Model and Tool - Overview and Guidance - v3 - Embedded Tool.pptx
+++ b/IP and Scripts/Data Workload Assessment Model and Tool/Workload Assessment Tools/Data Workload Assessment Model and Tool - Overview and Guidance - v3 - Embedded Tool.pptx
@@ -245,7 +245,7 @@
               <a:rPr lang="en-US" smtClean="0">
                 <a:latin typeface="Segoe UI" pitchFamily="34" charset="0"/>
               </a:rPr>
-              <a:t>1/18/2020 1:51 PM</a:t>
+              <a:t>10/1/2020 10:59 AM</a:t>
             </a:fld>
             <a:endParaRPr lang="en-US" dirty="0">
               <a:latin typeface="Segoe UI" pitchFamily="34" charset="0"/>
@@ -539,7 +539,7 @@
           <a:p>
             <a:fld id="{D18B56EA-E28F-4F92-9F16-7A6F2501B303}" type="datetime8">
               <a:rPr lang="en-US" smtClean="0"/>
-              <a:t>1/18/2020 1:51 PM</a:t>
+              <a:t>10/1/2020 10:59 AM</a:t>
             </a:fld>
             <a:endParaRPr lang="en-US" dirty="0"/>
           </a:p>
@@ -868,7 +868,7 @@
           <a:p>
             <a:fld id="{56C2EDE2-D073-4F7E-A469-E134256712C5}" type="datetime8">
               <a:rPr lang="en-US" smtClean="0"/>
-              <a:t>1/18/2020 1:51 PM</a:t>
+              <a:t>10/1/2020 10:59 AM</a:t>
             </a:fld>
             <a:endParaRPr lang="en-US" dirty="0"/>
           </a:p>
@@ -1056,7 +1056,7 @@
           <a:p>
             <a:fld id="{26EED51F-96EB-4E4E-9B3B-EAE92F3CF0A4}" type="datetime8">
               <a:rPr lang="en-US" smtClean="0"/>
-              <a:t>1/18/2020 1:52 PM</a:t>
+              <a:t>10/1/2020 10:59 AM</a:t>
             </a:fld>
             <a:endParaRPr lang="en-US" dirty="0"/>
           </a:p>
@@ -1271,7 +1271,7 @@
           <a:p>
             <a:fld id="{26EED51F-96EB-4E4E-9B3B-EAE92F3CF0A4}" type="datetime8">
               <a:rPr lang="en-US" smtClean="0"/>
-              <a:t>1/18/2020 1:56 PM</a:t>
+              <a:t>10/1/2020 10:59 AM</a:t>
             </a:fld>
             <a:endParaRPr lang="en-US" dirty="0"/>
           </a:p>
@@ -1486,7 +1486,7 @@
           <a:p>
             <a:fld id="{26EED51F-96EB-4E4E-9B3B-EAE92F3CF0A4}" type="datetime8">
               <a:rPr lang="en-US" smtClean="0"/>
-              <a:t>1/18/2020 1:56 PM</a:t>
+              <a:t>10/1/2020 10:59 AM</a:t>
             </a:fld>
             <a:endParaRPr lang="en-US" dirty="0"/>
           </a:p>
@@ -1701,7 +1701,7 @@
           <a:p>
             <a:fld id="{26EED51F-96EB-4E4E-9B3B-EAE92F3CF0A4}" type="datetime8">
               <a:rPr lang="en-US" smtClean="0"/>
-              <a:t>1/18/2020 1:56 PM</a:t>
+              <a:t>10/1/2020 10:59 AM</a:t>
             </a:fld>
             <a:endParaRPr lang="en-US" dirty="0"/>
           </a:p>
@@ -1916,7 +1916,7 @@
           <a:p>
             <a:fld id="{26EED51F-96EB-4E4E-9B3B-EAE92F3CF0A4}" type="datetime8">
               <a:rPr lang="en-US" smtClean="0"/>
-              <a:t>1/18/2020 1:56 PM</a:t>
+              <a:t>10/1/2020 10:59 AM</a:t>
             </a:fld>
             <a:endParaRPr lang="en-US" dirty="0"/>
           </a:p>
@@ -2131,7 +2131,7 @@
           <a:p>
             <a:fld id="{26EED51F-96EB-4E4E-9B3B-EAE92F3CF0A4}" type="datetime8">
               <a:rPr lang="en-US" smtClean="0"/>
-              <a:t>1/18/2020 1:56 PM</a:t>
+              <a:t>10/1/2020 10:59 AM</a:t>
             </a:fld>
             <a:endParaRPr lang="en-US" dirty="0"/>
           </a:p>
@@ -10817,14 +10817,19 @@
             <p:ph type="title"/>
           </p:nvPr>
         </p:nvSpPr>
-        <p:spPr/>
+        <p:spPr>
+          <a:xfrm>
+            <a:off x="274702" y="1744662"/>
+            <a:ext cx="4937760" cy="2209801"/>
+          </a:xfrm>
+        </p:spPr>
         <p:txBody>
           <a:bodyPr/>
           <a:lstStyle/>
           <a:p>
             <a:r>
               <a:rPr lang="en-US" dirty="0"/>
-              <a:t>DMJ Engineering Program Tooling</a:t>
+              <a:t>Data SQL Ninja Engineering Program Tooling</a:t>
             </a:r>
           </a:p>
         </p:txBody>
@@ -10937,7 +10942,7 @@
                   <a:lin ang="5400000" scaled="0"/>
                 </a:gradFill>
               </a:rPr>
-              <a:t>Data Migration Jumpstart Engineering Team</a:t>
+              <a:t>Data SQL Ninja Engineering Team</a:t>
             </a:r>
             <a:endParaRPr lang="en-US" sz="2400" dirty="0">
               <a:gradFill>
@@ -11405,7 +11410,7 @@
                   <a:lin ang="5400000" scaled="0"/>
                 </a:gradFill>
               </a:rPr>
-              <a:t>Data Migration Jumpstart Engineering Team</a:t>
+              <a:t>Data SQL Ninja Engineering Team</a:t>
             </a:r>
             <a:endParaRPr lang="en-US" sz="2400" dirty="0">
               <a:gradFill>
@@ -11760,7 +11765,7 @@
                   <a:lin ang="5400000" scaled="0"/>
                 </a:gradFill>
               </a:rPr>
-              <a:t>Data Migration Jumpstart Engineering Team</a:t>
+              <a:t>Data SQL Ninja Engineering Team</a:t>
             </a:r>
             <a:endParaRPr lang="en-US" sz="2400" dirty="0">
               <a:gradFill>
@@ -18863,7 +18868,7 @@
                   <a:lin ang="5400000" scaled="0"/>
                 </a:gradFill>
               </a:rPr>
-              <a:t>Data Migration Jumpstart Engineering Team</a:t>
+              <a:t>Data SQL Ninja Engineering Team</a:t>
             </a:r>
             <a:endParaRPr lang="en-US" sz="2400" dirty="0">
               <a:gradFill>
@@ -19060,7 +19065,7 @@
                   <a:lin ang="5400000" scaled="0"/>
                 </a:gradFill>
               </a:rPr>
-              <a:t>Data Migration Jumpstart Engineering Team</a:t>
+              <a:t>Data SQL Ninja Engineering Team</a:t>
             </a:r>
             <a:endParaRPr lang="en-US" sz="2400" dirty="0">
               <a:gradFill>
@@ -19257,7 +19262,7 @@
                   <a:lin ang="5400000" scaled="0"/>
                 </a:gradFill>
               </a:rPr>
-              <a:t>Data Migration Jumpstart Engineering Team</a:t>
+              <a:t>Data SQL Ninja Engineering Team</a:t>
             </a:r>
             <a:endParaRPr lang="en-US" sz="2400" dirty="0">
               <a:gradFill>
@@ -19392,7 +19397,7 @@
           <a:graphicData uri="http://schemas.openxmlformats.org/presentationml/2006/ole">
             <mc:AlternateContent xmlns:mc="http://schemas.openxmlformats.org/markup-compatibility/2006">
               <mc:Choice xmlns:v="urn:schemas-microsoft-com:vml" Requires="v">
-                <p:oleObj spid="_x0000_s1027" name="Macro-Enabled Worksheet" showAsIcon="1" r:id="rId4" imgW="380982" imgH="788599" progId="Excel.SheetMacroEnabled.12">
+                <p:oleObj spid="_x0000_s1029" name="Macro-Enabled Worksheet" showAsIcon="1" r:id="rId4" imgW="380982" imgH="788599" progId="Excel.SheetMacroEnabled.12">
                   <p:embed/>
                 </p:oleObj>
               </mc:Choice>
@@ -19483,7 +19488,7 @@
                   <a:lin ang="5400000" scaled="0"/>
                 </a:gradFill>
               </a:rPr>
-              <a:t>Data Migration Jumpstart Engineering Team</a:t>
+              <a:t>Data SQL Ninja Engineering Team</a:t>
             </a:r>
             <a:endParaRPr lang="en-US" sz="2400" dirty="0">
               <a:gradFill>
@@ -20395,21 +20400,6 @@
 </file>
 
 <file path=customXml/item1.xml><?xml version="1.0" encoding="utf-8"?>
-<?mso-contentType ?>
-<FormTemplates xmlns="http://schemas.microsoft.com/sharepoint/v3/contenttype/forms">
-  <Display>DocumentLibraryForm</Display>
-  <Edit>DocumentLibraryForm</Edit>
-  <New>DocumentLibraryForm</New>
-</FormTemplates>
-</file>
-
-<file path=customXml/item2.xml><?xml version="1.0" encoding="utf-8"?>
-<p:properties xmlns:p="http://schemas.microsoft.com/office/2006/metadata/properties" xmlns:xsi="http://www.w3.org/2001/XMLSchema-instance" xmlns:pc="http://schemas.microsoft.com/office/infopath/2007/PartnerControls">
-  <documentManagement/>
-</p:properties>
-</file>
-
-<file path=customXml/item3.xml><?xml version="1.0" encoding="utf-8"?>
 <ct:contentTypeSchema xmlns:ct="http://schemas.microsoft.com/office/2006/metadata/contentType" xmlns:ma="http://schemas.microsoft.com/office/2006/metadata/properties/metaAttributes" ct:_="" ma:_="" ma:contentTypeName="Document" ma:contentTypeID="0x0101001663038BF9716642BCA9BEDEEEE991E8" ma:contentTypeVersion="10" ma:contentTypeDescription="Create a new document." ma:contentTypeScope="" ma:versionID="8c37f2265097ab2a1a8ca6511293cc18">
   <xsd:schema xmlns:xsd="http://www.w3.org/2001/XMLSchema" xmlns:xs="http://www.w3.org/2001/XMLSchema" xmlns:p="http://schemas.microsoft.com/office/2006/metadata/properties" xmlns:ns2="4053a332-7d8e-488d-aba6-ad6dfa6b0f2d" xmlns:ns3="6e4f6676-91ee-47a5-8164-c59c33586ba7" targetNamespace="http://schemas.microsoft.com/office/2006/metadata/properties" ma:root="true" ma:fieldsID="922c1d919ec7206f465f09fbb4121dee" ns2:_="" ns3:_="">
     <xsd:import namespace="4053a332-7d8e-488d-aba6-ad6dfa6b0f2d"/>
@@ -20614,32 +20604,22 @@
 </ct:contentTypeSchema>
 </file>
 
-<file path=customXml/itemProps1.xml><?xml version="1.0" encoding="utf-8"?>
-<ds:datastoreItem xmlns:ds="http://schemas.openxmlformats.org/officeDocument/2006/customXml" ds:itemID="{758FDAC0-319D-4A54-8D8E-1D42CB1F8004}">
-  <ds:schemaRefs>
-    <ds:schemaRef ds:uri="http://schemas.microsoft.com/sharepoint/v3/contenttype/forms"/>
-  </ds:schemaRefs>
-</ds:datastoreItem>
+<file path=customXml/item2.xml><?xml version="1.0" encoding="utf-8"?>
+<p:properties xmlns:p="http://schemas.microsoft.com/office/2006/metadata/properties" xmlns:xsi="http://www.w3.org/2001/XMLSchema-instance" xmlns:pc="http://schemas.microsoft.com/office/infopath/2007/PartnerControls">
+  <documentManagement/>
+</p:properties>
 </file>
 
-<file path=customXml/itemProps2.xml><?xml version="1.0" encoding="utf-8"?>
-<ds:datastoreItem xmlns:ds="http://schemas.openxmlformats.org/officeDocument/2006/customXml" ds:itemID="{F990F116-B58F-4255-B05B-DA3808E0E5C6}">
-  <ds:schemaRefs>
-    <ds:schemaRef ds:uri="http://purl.org/dc/elements/1.1/"/>
-    <ds:schemaRef ds:uri="http://schemas.microsoft.com/office/2006/metadata/properties"/>
-    <ds:schemaRef ds:uri="6e4f6676-91ee-47a5-8164-c59c33586ba7"/>
-    <ds:schemaRef ds:uri="http://purl.org/dc/terms/"/>
-    <ds:schemaRef ds:uri="4053a332-7d8e-488d-aba6-ad6dfa6b0f2d"/>
-    <ds:schemaRef ds:uri="http://schemas.microsoft.com/office/2006/documentManagement/types"/>
-    <ds:schemaRef ds:uri="http://schemas.microsoft.com/office/infopath/2007/PartnerControls"/>
-    <ds:schemaRef ds:uri="http://schemas.openxmlformats.org/package/2006/metadata/core-properties"/>
-    <ds:schemaRef ds:uri="http://www.w3.org/XML/1998/namespace"/>
-    <ds:schemaRef ds:uri="http://purl.org/dc/dcmitype/"/>
-  </ds:schemaRefs>
-</ds:datastoreItem>
+<file path=customXml/item3.xml><?xml version="1.0" encoding="utf-8"?>
+<?mso-contentType ?>
+<FormTemplates xmlns="http://schemas.microsoft.com/sharepoint/v3/contenttype/forms">
+  <Display>DocumentLibraryForm</Display>
+  <Edit>DocumentLibraryForm</Edit>
+  <New>DocumentLibraryForm</New>
+</FormTemplates>
 </file>
 
-<file path=customXml/itemProps3.xml><?xml version="1.0" encoding="utf-8"?>
+<file path=customXml/itemProps1.xml><?xml version="1.0" encoding="utf-8"?>
 <ds:datastoreItem xmlns:ds="http://schemas.openxmlformats.org/officeDocument/2006/customXml" ds:itemID="{85338F74-B976-4101-955D-1A3C117F4A0E}">
   <ds:schemaRefs>
     <ds:schemaRef ds:uri="http://schemas.microsoft.com/office/2006/metadata/contentType"/>
@@ -20656,4 +20636,29 @@
     <ds:schemaRef ds:uri="http://schemas.microsoft.com/internal/obd"/>
   </ds:schemaRefs>
 </ds:datastoreItem>
+</file>
+
+<file path=customXml/itemProps2.xml><?xml version="1.0" encoding="utf-8"?>
+<ds:datastoreItem xmlns:ds="http://schemas.openxmlformats.org/officeDocument/2006/customXml" ds:itemID="{F990F116-B58F-4255-B05B-DA3808E0E5C6}">
+  <ds:schemaRefs>
+    <ds:schemaRef ds:uri="http://schemas.microsoft.com/office/infopath/2007/PartnerControls"/>
+    <ds:schemaRef ds:uri="http://purl.org/dc/elements/1.1/"/>
+    <ds:schemaRef ds:uri="http://schemas.microsoft.com/office/2006/metadata/properties"/>
+    <ds:schemaRef ds:uri="4053a332-7d8e-488d-aba6-ad6dfa6b0f2d"/>
+    <ds:schemaRef ds:uri="http://purl.org/dc/terms/"/>
+    <ds:schemaRef ds:uri="http://purl.org/dc/dcmitype/"/>
+    <ds:schemaRef ds:uri="http://www.w3.org/XML/1998/namespace"/>
+    <ds:schemaRef ds:uri="http://schemas.microsoft.com/office/2006/documentManagement/types"/>
+    <ds:schemaRef ds:uri="http://schemas.openxmlformats.org/package/2006/metadata/core-properties"/>
+    <ds:schemaRef ds:uri="6e4f6676-91ee-47a5-8164-c59c33586ba7"/>
+  </ds:schemaRefs>
+</ds:datastoreItem>
+</file>
+
+<file path=customXml/itemProps3.xml><?xml version="1.0" encoding="utf-8"?>
+<ds:datastoreItem xmlns:ds="http://schemas.openxmlformats.org/officeDocument/2006/customXml" ds:itemID="{758FDAC0-319D-4A54-8D8E-1D42CB1F8004}">
+  <ds:schemaRefs>
+    <ds:schemaRef ds:uri="http://schemas.microsoft.com/sharepoint/v3/contenttype/forms"/>
+  </ds:schemaRefs>
+</ds:datastoreItem>
 </file>
--- a/IP and Scripts/Data Workload Assessment Model and Tool/Workload Assessment Tools/Data Workload Assessment Model and Tool - Overview and Guidance - v3 - Embedded Tool.pptx
+++ b/IP and Scripts/Data Workload Assessment Model and Tool/Workload Assessment Tools/Data Workload Assessment Model and Tool - Overview and Guidance - v3 - Embedded Tool.pptx
@@ -245,7 +245,7 @@
               <a:rPr lang="en-US" smtClean="0">
                 <a:latin typeface="Segoe UI" pitchFamily="34" charset="0"/>
               </a:rPr>
-              <a:t>10/1/2020 10:59 AM</a:t>
+              <a:t>10/14/2020 11:15 AM</a:t>
             </a:fld>
             <a:endParaRPr lang="en-US" dirty="0">
               <a:latin typeface="Segoe UI" pitchFamily="34" charset="0"/>
@@ -539,7 +539,7 @@
           <a:p>
             <a:fld id="{D18B56EA-E28F-4F92-9F16-7A6F2501B303}" type="datetime8">
               <a:rPr lang="en-US" smtClean="0"/>
-              <a:t>10/1/2020 10:59 AM</a:t>
+              <a:t>10/14/2020 11:12 AM</a:t>
             </a:fld>
             <a:endParaRPr lang="en-US" dirty="0"/>
           </a:p>
@@ -868,7 +868,7 @@
           <a:p>
             <a:fld id="{56C2EDE2-D073-4F7E-A469-E134256712C5}" type="datetime8">
               <a:rPr lang="en-US" smtClean="0"/>
-              <a:t>10/1/2020 10:59 AM</a:t>
+              <a:t>10/14/2020 11:12 AM</a:t>
             </a:fld>
             <a:endParaRPr lang="en-US" dirty="0"/>
           </a:p>
@@ -1056,7 +1056,7 @@
           <a:p>
             <a:fld id="{26EED51F-96EB-4E4E-9B3B-EAE92F3CF0A4}" type="datetime8">
               <a:rPr lang="en-US" smtClean="0"/>
-              <a:t>10/1/2020 10:59 AM</a:t>
+              <a:t>10/14/2020 11:12 AM</a:t>
             </a:fld>
             <a:endParaRPr lang="en-US" dirty="0"/>
           </a:p>
@@ -1271,7 +1271,7 @@
           <a:p>
             <a:fld id="{26EED51F-96EB-4E4E-9B3B-EAE92F3CF0A4}" type="datetime8">
               <a:rPr lang="en-US" smtClean="0"/>
-              <a:t>10/1/2020 10:59 AM</a:t>
+              <a:t>10/14/2020 11:12 AM</a:t>
             </a:fld>
             <a:endParaRPr lang="en-US" dirty="0"/>
           </a:p>
@@ -1486,7 +1486,7 @@
           <a:p>
             <a:fld id="{26EED51F-96EB-4E4E-9B3B-EAE92F3CF0A4}" type="datetime8">
               <a:rPr lang="en-US" smtClean="0"/>
-              <a:t>10/1/2020 10:59 AM</a:t>
+              <a:t>10/14/2020 11:12 AM</a:t>
             </a:fld>
             <a:endParaRPr lang="en-US" dirty="0"/>
           </a:p>
@@ -1701,7 +1701,7 @@
           <a:p>
             <a:fld id="{26EED51F-96EB-4E4E-9B3B-EAE92F3CF0A4}" type="datetime8">
               <a:rPr lang="en-US" smtClean="0"/>
-              <a:t>10/1/2020 10:59 AM</a:t>
+              <a:t>10/14/2020 11:12 AM</a:t>
             </a:fld>
             <a:endParaRPr lang="en-US" dirty="0"/>
           </a:p>
@@ -1916,7 +1916,7 @@
           <a:p>
             <a:fld id="{26EED51F-96EB-4E4E-9B3B-EAE92F3CF0A4}" type="datetime8">
               <a:rPr lang="en-US" smtClean="0"/>
-              <a:t>10/1/2020 10:59 AM</a:t>
+              <a:t>10/14/2020 11:12 AM</a:t>
             </a:fld>
             <a:endParaRPr lang="en-US" dirty="0"/>
           </a:p>
@@ -2131,7 +2131,7 @@
           <a:p>
             <a:fld id="{26EED51F-96EB-4E4E-9B3B-EAE92F3CF0A4}" type="datetime8">
               <a:rPr lang="en-US" smtClean="0"/>
-              <a:t>10/1/2020 10:59 AM</a:t>
+              <a:t>10/14/2020 11:12 AM</a:t>
             </a:fld>
             <a:endParaRPr lang="en-US" dirty="0"/>
           </a:p>
@@ -10829,7 +10829,7 @@
           <a:p>
             <a:r>
               <a:rPr lang="en-US" dirty="0"/>
-              <a:t>Data SQL Ninja Engineering Program Tooling</a:t>
+              <a:t>Data SQL Ninja Engineering Team</a:t>
             </a:r>
           </a:p>
         </p:txBody>
@@ -10846,7 +10846,7 @@
         </p:nvSpPr>
         <p:spPr>
           <a:xfrm>
-            <a:off x="273050" y="3954463"/>
+            <a:off x="274702" y="3421062"/>
             <a:ext cx="4937760" cy="1246495"/>
           </a:xfrm>
         </p:spPr>
@@ -19324,122 +19324,6 @@
       </p:grpSpPr>
       <p:sp>
         <p:nvSpPr>
-          <p:cNvPr id="2" name="Title 1"/>
-          <p:cNvSpPr>
-            <a:spLocks noGrp="1"/>
-          </p:cNvSpPr>
-          <p:nvPr>
-            <p:ph type="title"/>
-          </p:nvPr>
-        </p:nvSpPr>
-        <p:spPr>
-          <a:xfrm>
-            <a:off x="274639" y="295274"/>
-            <a:ext cx="11889564" cy="917575"/>
-          </a:xfrm>
-        </p:spPr>
-        <p:txBody>
-          <a:bodyPr/>
-          <a:lstStyle/>
-          <a:p>
-            <a:r>
-              <a:rPr lang="en-US" dirty="0"/>
-              <a:t>Get Tool Here</a:t>
-            </a:r>
-            <a:br>
-              <a:rPr lang="en-US" dirty="0"/>
-            </a:br>
-            <a:r>
-              <a:rPr lang="en-US" sz="2400" dirty="0"/>
-              <a:t>Obtain Tool from Embedded Link Below</a:t>
-            </a:r>
-            <a:endParaRPr lang="en-US" sz="2400" dirty="0">
-              <a:gradFill>
-                <a:gsLst>
-                  <a:gs pos="21538">
-                    <a:schemeClr val="tx1"/>
-                  </a:gs>
-                  <a:gs pos="33000">
-                    <a:schemeClr val="tx1"/>
-                  </a:gs>
-                </a:gsLst>
-                <a:lin ang="5400000" scaled="0"/>
-              </a:gradFill>
-            </a:endParaRPr>
-          </a:p>
-        </p:txBody>
-      </p:sp>
-      <p:graphicFrame>
-        <p:nvGraphicFramePr>
-          <p:cNvPr id="5" name="Object 4">
-            <a:extLst>
-              <a:ext uri="{FF2B5EF4-FFF2-40B4-BE49-F238E27FC236}">
-                <a16:creationId xmlns:a16="http://schemas.microsoft.com/office/drawing/2014/main" id="{58B710E0-F7E7-40DC-A924-1D2BD2D9D4E1}"/>
-              </a:ext>
-            </a:extLst>
-          </p:cNvPr>
-          <p:cNvGraphicFramePr>
-            <a:graphicFrameLocks noChangeAspect="1"/>
-          </p:cNvGraphicFramePr>
-          <p:nvPr>
-            <p:extLst>
-              <p:ext uri="{D42A27DB-BD31-4B8C-83A1-F6EECF244321}">
-                <p14:modId xmlns:p14="http://schemas.microsoft.com/office/powerpoint/2010/main" val="355874245"/>
-              </p:ext>
-            </p:extLst>
-          </p:nvPr>
-        </p:nvGraphicFramePr>
-        <p:xfrm>
-          <a:off x="3903663" y="1762125"/>
-          <a:ext cx="3879850" cy="5378450"/>
-        </p:xfrm>
-        <a:graphic>
-          <a:graphicData uri="http://schemas.openxmlformats.org/presentationml/2006/ole">
-            <mc:AlternateContent xmlns:mc="http://schemas.openxmlformats.org/markup-compatibility/2006">
-              <mc:Choice xmlns:v="urn:schemas-microsoft-com:vml" Requires="v">
-                <p:oleObj spid="_x0000_s1029" name="Macro-Enabled Worksheet" showAsIcon="1" r:id="rId4" imgW="380982" imgH="788599" progId="Excel.SheetMacroEnabled.12">
-                  <p:embed/>
-                </p:oleObj>
-              </mc:Choice>
-              <mc:Fallback>
-                <p:oleObj name="Macro-Enabled Worksheet" showAsIcon="1" r:id="rId4" imgW="380982" imgH="788599" progId="Excel.SheetMacroEnabled.12">
-                  <p:embed/>
-                  <p:pic>
-                    <p:nvPicPr>
-                      <p:cNvPr id="5" name="Object 4">
-                        <a:extLst>
-                          <a:ext uri="{FF2B5EF4-FFF2-40B4-BE49-F238E27FC236}">
-                            <a16:creationId xmlns:a16="http://schemas.microsoft.com/office/drawing/2014/main" id="{58B710E0-F7E7-40DC-A924-1D2BD2D9D4E1}"/>
-                          </a:ext>
-                        </a:extLst>
-                      </p:cNvPr>
-                      <p:cNvPicPr/>
-                      <p:nvPr/>
-                    </p:nvPicPr>
-                    <p:blipFill>
-                      <a:blip r:embed="rId5"/>
-                      <a:stretch>
-                        <a:fillRect/>
-                      </a:stretch>
-                    </p:blipFill>
-                    <p:spPr>
-                      <a:xfrm>
-                        <a:off x="3903663" y="1762125"/>
-                        <a:ext cx="3879850" cy="5378450"/>
-                      </a:xfrm>
-                      <a:prstGeom prst="rect">
-                        <a:avLst/>
-                      </a:prstGeom>
-                    </p:spPr>
-                  </p:pic>
-                </p:oleObj>
-              </mc:Fallback>
-            </mc:AlternateContent>
-          </a:graphicData>
-        </a:graphic>
-      </p:graphicFrame>
-      <p:sp>
-        <p:nvSpPr>
           <p:cNvPr id="4" name="TextBox 3">
             <a:extLst>
               <a:ext uri="{FF2B5EF4-FFF2-40B4-BE49-F238E27FC236}">
@@ -19506,6 +19390,36 @@
           </a:p>
         </p:txBody>
       </p:sp>
+      <p:pic>
+        <p:nvPicPr>
+          <p:cNvPr id="7" name="Picture 6">
+            <a:extLst>
+              <a:ext uri="{FF2B5EF4-FFF2-40B4-BE49-F238E27FC236}">
+                <a16:creationId xmlns:a16="http://schemas.microsoft.com/office/drawing/2014/main" id="{A652F7A3-8109-414D-A310-58C2978EF00E}"/>
+              </a:ext>
+            </a:extLst>
+          </p:cNvPr>
+          <p:cNvPicPr>
+            <a:picLocks noChangeAspect="1"/>
+          </p:cNvPicPr>
+          <p:nvPr/>
+        </p:nvPicPr>
+        <p:blipFill>
+          <a:blip r:embed="rId3"/>
+          <a:stretch>
+            <a:fillRect/>
+          </a:stretch>
+        </p:blipFill>
+        <p:spPr>
+          <a:xfrm>
+            <a:off x="731837" y="144462"/>
+            <a:ext cx="10896600" cy="6465064"/>
+          </a:xfrm>
+          <a:prstGeom prst="rect">
+            <a:avLst/>
+          </a:prstGeom>
+        </p:spPr>
+      </p:pic>
     </p:spTree>
     <p:extLst>
       <p:ext uri="{BB962C8B-B14F-4D97-AF65-F5344CB8AC3E}">
@@ -20400,6 +20314,21 @@
 </file>
 
 <file path=customXml/item1.xml><?xml version="1.0" encoding="utf-8"?>
+<?mso-contentType ?>
+<FormTemplates xmlns="http://schemas.microsoft.com/sharepoint/v3/contenttype/forms">
+  <Display>DocumentLibraryForm</Display>
+  <Edit>DocumentLibraryForm</Edit>
+  <New>DocumentLibraryForm</New>
+</FormTemplates>
+</file>
+
+<file path=customXml/item2.xml><?xml version="1.0" encoding="utf-8"?>
+<p:properties xmlns:p="http://schemas.microsoft.com/office/2006/metadata/properties" xmlns:xsi="http://www.w3.org/2001/XMLSchema-instance" xmlns:pc="http://schemas.microsoft.com/office/infopath/2007/PartnerControls">
+  <documentManagement/>
+</p:properties>
+</file>
+
+<file path=customXml/item3.xml><?xml version="1.0" encoding="utf-8"?>
 <ct:contentTypeSchema xmlns:ct="http://schemas.microsoft.com/office/2006/metadata/contentType" xmlns:ma="http://schemas.microsoft.com/office/2006/metadata/properties/metaAttributes" ct:_="" ma:_="" ma:contentTypeName="Document" ma:contentTypeID="0x0101001663038BF9716642BCA9BEDEEEE991E8" ma:contentTypeVersion="10" ma:contentTypeDescription="Create a new document." ma:contentTypeScope="" ma:versionID="8c37f2265097ab2a1a8ca6511293cc18">
   <xsd:schema xmlns:xsd="http://www.w3.org/2001/XMLSchema" xmlns:xs="http://www.w3.org/2001/XMLSchema" xmlns:p="http://schemas.microsoft.com/office/2006/metadata/properties" xmlns:ns2="4053a332-7d8e-488d-aba6-ad6dfa6b0f2d" xmlns:ns3="6e4f6676-91ee-47a5-8164-c59c33586ba7" targetNamespace="http://schemas.microsoft.com/office/2006/metadata/properties" ma:root="true" ma:fieldsID="922c1d919ec7206f465f09fbb4121dee" ns2:_="" ns3:_="">
     <xsd:import namespace="4053a332-7d8e-488d-aba6-ad6dfa6b0f2d"/>
@@ -20604,36 +20533,10 @@
 </ct:contentTypeSchema>
 </file>
 
-<file path=customXml/item2.xml><?xml version="1.0" encoding="utf-8"?>
-<p:properties xmlns:p="http://schemas.microsoft.com/office/2006/metadata/properties" xmlns:xsi="http://www.w3.org/2001/XMLSchema-instance" xmlns:pc="http://schemas.microsoft.com/office/infopath/2007/PartnerControls">
-  <documentManagement/>
-</p:properties>
-</file>
-
-<file path=customXml/item3.xml><?xml version="1.0" encoding="utf-8"?>
-<?mso-contentType ?>
-<FormTemplates xmlns="http://schemas.microsoft.com/sharepoint/v3/contenttype/forms">
-  <Display>DocumentLibraryForm</Display>
-  <Edit>DocumentLibraryForm</Edit>
-  <New>DocumentLibraryForm</New>
-</FormTemplates>
-</file>
-
 <file path=customXml/itemProps1.xml><?xml version="1.0" encoding="utf-8"?>
-<ds:datastoreItem xmlns:ds="http://schemas.openxmlformats.org/officeDocument/2006/customXml" ds:itemID="{85338F74-B976-4101-955D-1A3C117F4A0E}">
+<ds:datastoreItem xmlns:ds="http://schemas.openxmlformats.org/officeDocument/2006/customXml" ds:itemID="{758FDAC0-319D-4A54-8D8E-1D42CB1F8004}">
   <ds:schemaRefs>
-    <ds:schemaRef ds:uri="http://schemas.microsoft.com/office/2006/metadata/contentType"/>
-    <ds:schemaRef ds:uri="http://schemas.microsoft.com/office/2006/metadata/properties/metaAttributes"/>
-    <ds:schemaRef ds:uri="http://www.w3.org/2001/XMLSchema"/>
-    <ds:schemaRef ds:uri="http://schemas.microsoft.com/office/2006/metadata/properties"/>
-    <ds:schemaRef ds:uri="4053a332-7d8e-488d-aba6-ad6dfa6b0f2d"/>
-    <ds:schemaRef ds:uri="6e4f6676-91ee-47a5-8164-c59c33586ba7"/>
-    <ds:schemaRef ds:uri="http://schemas.microsoft.com/office/2006/documentManagement/types"/>
-    <ds:schemaRef ds:uri="http://schemas.microsoft.com/office/infopath/2007/PartnerControls"/>
-    <ds:schemaRef ds:uri="http://schemas.openxmlformats.org/package/2006/metadata/core-properties"/>
-    <ds:schemaRef ds:uri="http://purl.org/dc/elements/1.1/"/>
-    <ds:schemaRef ds:uri="http://purl.org/dc/terms/"/>
-    <ds:schemaRef ds:uri="http://schemas.microsoft.com/internal/obd"/>
+    <ds:schemaRef ds:uri="http://schemas.microsoft.com/sharepoint/v3/contenttype/forms"/>
   </ds:schemaRefs>
 </ds:datastoreItem>
 </file>
@@ -20656,9 +20559,20 @@
 </file>
 
 <file path=customXml/itemProps3.xml><?xml version="1.0" encoding="utf-8"?>
-<ds:datastoreItem xmlns:ds="http://schemas.openxmlformats.org/officeDocument/2006/customXml" ds:itemID="{758FDAC0-319D-4A54-8D8E-1D42CB1F8004}">
+<ds:datastoreItem xmlns:ds="http://schemas.openxmlformats.org/officeDocument/2006/customXml" ds:itemID="{85338F74-B976-4101-955D-1A3C117F4A0E}">
   <ds:schemaRefs>
-    <ds:schemaRef ds:uri="http://schemas.microsoft.com/sharepoint/v3/contenttype/forms"/>
+    <ds:schemaRef ds:uri="http://schemas.microsoft.com/office/2006/metadata/contentType"/>
+    <ds:schemaRef ds:uri="http://schemas.microsoft.com/office/2006/metadata/properties/metaAttributes"/>
+    <ds:schemaRef ds:uri="http://www.w3.org/2001/XMLSchema"/>
+    <ds:schemaRef ds:uri="http://schemas.microsoft.com/office/2006/metadata/properties"/>
+    <ds:schemaRef ds:uri="4053a332-7d8e-488d-aba6-ad6dfa6b0f2d"/>
+    <ds:schemaRef ds:uri="6e4f6676-91ee-47a5-8164-c59c33586ba7"/>
+    <ds:schemaRef ds:uri="http://schemas.microsoft.com/office/2006/documentManagement/types"/>
+    <ds:schemaRef ds:uri="http://schemas.microsoft.com/office/infopath/2007/PartnerControls"/>
+    <ds:schemaRef ds:uri="http://schemas.openxmlformats.org/package/2006/metadata/core-properties"/>
+    <ds:schemaRef ds:uri="http://purl.org/dc/elements/1.1/"/>
+    <ds:schemaRef ds:uri="http://purl.org/dc/terms/"/>
+    <ds:schemaRef ds:uri="http://schemas.microsoft.com/internal/obd"/>
   </ds:schemaRefs>
 </ds:datastoreItem>
 </file>
--- a/IP and Scripts/Data Workload Assessment Model and Tool/Workload Assessment Tools/Data Workload Assessment Model and Tool - Overview and Guidance - v3 - Embedded Tool.pptx
+++ b/IP and Scripts/Data Workload Assessment Model and Tool/Workload Assessment Tools/Data Workload Assessment Model and Tool - Overview and Guidance - v3 - Embedded Tool.pptx
@@ -245,7 +245,7 @@
               <a:rPr lang="en-US" smtClean="0">
                 <a:latin typeface="Segoe UI" pitchFamily="34" charset="0"/>
               </a:rPr>
-              <a:t>10/14/2020 11:15 AM</a:t>
+              <a:t>3/3/2021 7:52 AM</a:t>
             </a:fld>
             <a:endParaRPr lang="en-US" dirty="0">
               <a:latin typeface="Segoe UI" pitchFamily="34" charset="0"/>
@@ -539,7 +539,7 @@
           <a:p>
             <a:fld id="{D18B56EA-E28F-4F92-9F16-7A6F2501B303}" type="datetime8">
               <a:rPr lang="en-US" smtClean="0"/>
-              <a:t>10/14/2020 11:12 AM</a:t>
+              <a:t>3/3/2021 7:52 AM</a:t>
             </a:fld>
             <a:endParaRPr lang="en-US" dirty="0"/>
           </a:p>
@@ -868,7 +868,7 @@
           <a:p>
             <a:fld id="{56C2EDE2-D073-4F7E-A469-E134256712C5}" type="datetime8">
               <a:rPr lang="en-US" smtClean="0"/>
-              <a:t>10/14/2020 11:12 AM</a:t>
+              <a:t>3/3/2021 7:52 AM</a:t>
             </a:fld>
             <a:endParaRPr lang="en-US" dirty="0"/>
           </a:p>
@@ -1056,7 +1056,7 @@
           <a:p>
             <a:fld id="{26EED51F-96EB-4E4E-9B3B-EAE92F3CF0A4}" type="datetime8">
               <a:rPr lang="en-US" smtClean="0"/>
-              <a:t>10/14/2020 11:12 AM</a:t>
+              <a:t>3/3/2021 7:52 AM</a:t>
             </a:fld>
             <a:endParaRPr lang="en-US" dirty="0"/>
           </a:p>
@@ -1271,7 +1271,7 @@
           <a:p>
             <a:fld id="{26EED51F-96EB-4E4E-9B3B-EAE92F3CF0A4}" type="datetime8">
               <a:rPr lang="en-US" smtClean="0"/>
-              <a:t>10/14/2020 11:12 AM</a:t>
+              <a:t>3/3/2021 7:52 AM</a:t>
             </a:fld>
             <a:endParaRPr lang="en-US" dirty="0"/>
           </a:p>
@@ -1486,7 +1486,7 @@
           <a:p>
             <a:fld id="{26EED51F-96EB-4E4E-9B3B-EAE92F3CF0A4}" type="datetime8">
               <a:rPr lang="en-US" smtClean="0"/>
-              <a:t>10/14/2020 11:12 AM</a:t>
+              <a:t>3/3/2021 7:52 AM</a:t>
             </a:fld>
             <a:endParaRPr lang="en-US" dirty="0"/>
           </a:p>
@@ -1701,7 +1701,7 @@
           <a:p>
             <a:fld id="{26EED51F-96EB-4E4E-9B3B-EAE92F3CF0A4}" type="datetime8">
               <a:rPr lang="en-US" smtClean="0"/>
-              <a:t>10/14/2020 11:12 AM</a:t>
+              <a:t>3/3/2021 7:52 AM</a:t>
             </a:fld>
             <a:endParaRPr lang="en-US" dirty="0"/>
           </a:p>
@@ -1916,7 +1916,7 @@
           <a:p>
             <a:fld id="{26EED51F-96EB-4E4E-9B3B-EAE92F3CF0A4}" type="datetime8">
               <a:rPr lang="en-US" smtClean="0"/>
-              <a:t>10/14/2020 11:12 AM</a:t>
+              <a:t>3/3/2021 7:52 AM</a:t>
             </a:fld>
             <a:endParaRPr lang="en-US" dirty="0"/>
           </a:p>
@@ -2131,7 +2131,7 @@
           <a:p>
             <a:fld id="{26EED51F-96EB-4E4E-9B3B-EAE92F3CF0A4}" type="datetime8">
               <a:rPr lang="en-US" smtClean="0"/>
-              <a:t>10/14/2020 11:12 AM</a:t>
+              <a:t>3/3/2021 7:52 AM</a:t>
             </a:fld>
             <a:endParaRPr lang="en-US" dirty="0"/>
           </a:p>
@@ -11483,7 +11483,7 @@
         <p:spPr>
           <a:xfrm>
             <a:off x="274638" y="1341790"/>
-            <a:ext cx="8839199" cy="5112169"/>
+            <a:ext cx="8839199" cy="5349157"/>
           </a:xfrm>
         </p:spPr>
         <p:txBody>
@@ -11578,6 +11578,13 @@
             <a:r>
               <a:rPr lang="en-US" sz="1400" dirty="0"/>
               <a:t>Azure SQL Data Warehouse</a:t>
+            </a:r>
+          </a:p>
+          <a:p>
+            <a:pPr lvl="1"/>
+            <a:r>
+              <a:rPr lang="en-US" sz="1400" dirty="0"/>
+              <a:t>Azure SQL DB Hyperscale</a:t>
             </a:r>
           </a:p>
           <a:p>
@@ -19172,46 +19179,6 @@
           </a:p>
         </p:txBody>
       </p:sp>
-      <p:pic>
-        <p:nvPicPr>
-          <p:cNvPr id="4" name="Picture 3">
-            <a:extLst>
-              <a:ext uri="{FF2B5EF4-FFF2-40B4-BE49-F238E27FC236}">
-                <a16:creationId xmlns:a16="http://schemas.microsoft.com/office/drawing/2014/main" id="{53D487D4-5FFC-4D29-9807-F07D9F3FB191}"/>
-              </a:ext>
-            </a:extLst>
-          </p:cNvPr>
-          <p:cNvPicPr>
-            <a:picLocks noChangeAspect="1"/>
-          </p:cNvPicPr>
-          <p:nvPr/>
-        </p:nvPicPr>
-        <p:blipFill>
-          <a:blip r:embed="rId3"/>
-          <a:stretch>
-            <a:fillRect/>
-          </a:stretch>
-        </p:blipFill>
-        <p:spPr>
-          <a:xfrm>
-            <a:off x="359273" y="1668462"/>
-            <a:ext cx="11717928" cy="3896537"/>
-          </a:xfrm>
-          <a:prstGeom prst="rect">
-            <a:avLst/>
-          </a:prstGeom>
-          <a:ln>
-            <a:noFill/>
-          </a:ln>
-          <a:effectLst>
-            <a:outerShdw blurRad="292100" dist="139700" dir="2700000" algn="tl" rotWithShape="0">
-              <a:srgbClr val="333333">
-                <a:alpha val="65000"/>
-              </a:srgbClr>
-            </a:outerShdw>
-          </a:effectLst>
-        </p:spPr>
-      </p:pic>
       <p:sp>
         <p:nvSpPr>
           <p:cNvPr id="5" name="TextBox 4">
@@ -19280,6 +19247,46 @@
           </a:p>
         </p:txBody>
       </p:sp>
+      <p:pic>
+        <p:nvPicPr>
+          <p:cNvPr id="8" name="Picture 7">
+            <a:extLst>
+              <a:ext uri="{FF2B5EF4-FFF2-40B4-BE49-F238E27FC236}">
+                <a16:creationId xmlns:a16="http://schemas.microsoft.com/office/drawing/2014/main" id="{7D2FCC83-0991-4CCE-9A3F-FB22C7AD1381}"/>
+              </a:ext>
+            </a:extLst>
+          </p:cNvPr>
+          <p:cNvPicPr>
+            <a:picLocks noChangeAspect="1"/>
+          </p:cNvPicPr>
+          <p:nvPr/>
+        </p:nvPicPr>
+        <p:blipFill>
+          <a:blip r:embed="rId3"/>
+          <a:stretch>
+            <a:fillRect/>
+          </a:stretch>
+        </p:blipFill>
+        <p:spPr>
+          <a:xfrm>
+            <a:off x="0" y="2372186"/>
+            <a:ext cx="12436475" cy="2250153"/>
+          </a:xfrm>
+          <a:prstGeom prst="rect">
+            <a:avLst/>
+          </a:prstGeom>
+          <a:ln>
+            <a:noFill/>
+          </a:ln>
+          <a:effectLst>
+            <a:outerShdw blurRad="190500" algn="tl" rotWithShape="0">
+              <a:srgbClr val="000000">
+                <a:alpha val="70000"/>
+              </a:srgbClr>
+            </a:outerShdw>
+          </a:effectLst>
+        </p:spPr>
+      </p:pic>
     </p:spTree>
     <p:extLst>
       <p:ext uri="{BB962C8B-B14F-4D97-AF65-F5344CB8AC3E}">
@@ -20314,21 +20321,6 @@
 </file>
 
 <file path=customXml/item1.xml><?xml version="1.0" encoding="utf-8"?>
-<?mso-contentType ?>
-<FormTemplates xmlns="http://schemas.microsoft.com/sharepoint/v3/contenttype/forms">
-  <Display>DocumentLibraryForm</Display>
-  <Edit>DocumentLibraryForm</Edit>
-  <New>DocumentLibraryForm</New>
-</FormTemplates>
-</file>
-
-<file path=customXml/item2.xml><?xml version="1.0" encoding="utf-8"?>
-<p:properties xmlns:p="http://schemas.microsoft.com/office/2006/metadata/properties" xmlns:xsi="http://www.w3.org/2001/XMLSchema-instance" xmlns:pc="http://schemas.microsoft.com/office/infopath/2007/PartnerControls">
-  <documentManagement/>
-</p:properties>
-</file>
-
-<file path=customXml/item3.xml><?xml version="1.0" encoding="utf-8"?>
 <ct:contentTypeSchema xmlns:ct="http://schemas.microsoft.com/office/2006/metadata/contentType" xmlns:ma="http://schemas.microsoft.com/office/2006/metadata/properties/metaAttributes" ct:_="" ma:_="" ma:contentTypeName="Document" ma:contentTypeID="0x0101001663038BF9716642BCA9BEDEEEE991E8" ma:contentTypeVersion="10" ma:contentTypeDescription="Create a new document." ma:contentTypeScope="" ma:versionID="8c37f2265097ab2a1a8ca6511293cc18">
   <xsd:schema xmlns:xsd="http://www.w3.org/2001/XMLSchema" xmlns:xs="http://www.w3.org/2001/XMLSchema" xmlns:p="http://schemas.microsoft.com/office/2006/metadata/properties" xmlns:ns2="4053a332-7d8e-488d-aba6-ad6dfa6b0f2d" xmlns:ns3="6e4f6676-91ee-47a5-8164-c59c33586ba7" targetNamespace="http://schemas.microsoft.com/office/2006/metadata/properties" ma:root="true" ma:fieldsID="922c1d919ec7206f465f09fbb4121dee" ns2:_="" ns3:_="">
     <xsd:import namespace="4053a332-7d8e-488d-aba6-ad6dfa6b0f2d"/>
@@ -20533,10 +20525,36 @@
 </ct:contentTypeSchema>
 </file>
 
+<file path=customXml/item2.xml><?xml version="1.0" encoding="utf-8"?>
+<p:properties xmlns:p="http://schemas.microsoft.com/office/2006/metadata/properties" xmlns:xsi="http://www.w3.org/2001/XMLSchema-instance" xmlns:pc="http://schemas.microsoft.com/office/infopath/2007/PartnerControls">
+  <documentManagement/>
+</p:properties>
+</file>
+
+<file path=customXml/item3.xml><?xml version="1.0" encoding="utf-8"?>
+<?mso-contentType ?>
+<FormTemplates xmlns="http://schemas.microsoft.com/sharepoint/v3/contenttype/forms">
+  <Display>DocumentLibraryForm</Display>
+  <Edit>DocumentLibraryForm</Edit>
+  <New>DocumentLibraryForm</New>
+</FormTemplates>
+</file>
+
 <file path=customXml/itemProps1.xml><?xml version="1.0" encoding="utf-8"?>
-<ds:datastoreItem xmlns:ds="http://schemas.openxmlformats.org/officeDocument/2006/customXml" ds:itemID="{758FDAC0-319D-4A54-8D8E-1D42CB1F8004}">
+<ds:datastoreItem xmlns:ds="http://schemas.openxmlformats.org/officeDocument/2006/customXml" ds:itemID="{85338F74-B976-4101-955D-1A3C117F4A0E}">
   <ds:schemaRefs>
-    <ds:schemaRef ds:uri="http://schemas.microsoft.com/sharepoint/v3/contenttype/forms"/>
+    <ds:schemaRef ds:uri="http://schemas.microsoft.com/office/2006/metadata/contentType"/>
+    <ds:schemaRef ds:uri="http://schemas.microsoft.com/office/2006/metadata/properties/metaAttributes"/>
+    <ds:schemaRef ds:uri="http://www.w3.org/2001/XMLSchema"/>
+    <ds:schemaRef ds:uri="http://schemas.microsoft.com/office/2006/metadata/properties"/>
+    <ds:schemaRef ds:uri="4053a332-7d8e-488d-aba6-ad6dfa6b0f2d"/>
+    <ds:schemaRef ds:uri="6e4f6676-91ee-47a5-8164-c59c33586ba7"/>
+    <ds:schemaRef ds:uri="http://schemas.microsoft.com/office/2006/documentManagement/types"/>
+    <ds:schemaRef ds:uri="http://schemas.microsoft.com/office/infopath/2007/PartnerControls"/>
+    <ds:schemaRef ds:uri="http://schemas.openxmlformats.org/package/2006/metadata/core-properties"/>
+    <ds:schemaRef ds:uri="http://purl.org/dc/elements/1.1/"/>
+    <ds:schemaRef ds:uri="http://purl.org/dc/terms/"/>
+    <ds:schemaRef ds:uri="http://schemas.microsoft.com/internal/obd"/>
   </ds:schemaRefs>
 </ds:datastoreItem>
 </file>
@@ -20559,20 +20577,15 @@
 </file>
 
 <file path=customXml/itemProps3.xml><?xml version="1.0" encoding="utf-8"?>
-<ds:datastoreItem xmlns:ds="http://schemas.openxmlformats.org/officeDocument/2006/customXml" ds:itemID="{85338F74-B976-4101-955D-1A3C117F4A0E}">
+<ds:datastoreItem xmlns:ds="http://schemas.openxmlformats.org/officeDocument/2006/customXml" ds:itemID="{758FDAC0-319D-4A54-8D8E-1D42CB1F8004}">
   <ds:schemaRefs>
-    <ds:schemaRef ds:uri="http://schemas.microsoft.com/office/2006/metadata/contentType"/>
-    <ds:schemaRef ds:uri="http://schemas.microsoft.com/office/2006/metadata/properties/metaAttributes"/>
-    <ds:schemaRef ds:uri="http://www.w3.org/2001/XMLSchema"/>
-    <ds:schemaRef ds:uri="http://schemas.microsoft.com/office/2006/metadata/properties"/>
-    <ds:schemaRef ds:uri="4053a332-7d8e-488d-aba6-ad6dfa6b0f2d"/>
-    <ds:schemaRef ds:uri="6e4f6676-91ee-47a5-8164-c59c33586ba7"/>
-    <ds:schemaRef ds:uri="http://schemas.microsoft.com/office/2006/documentManagement/types"/>
-    <ds:schemaRef ds:uri="http://schemas.microsoft.com/office/infopath/2007/PartnerControls"/>
-    <ds:schemaRef ds:uri="http://schemas.openxmlformats.org/package/2006/metadata/core-properties"/>
-    <ds:schemaRef ds:uri="http://purl.org/dc/elements/1.1/"/>
-    <ds:schemaRef ds:uri="http://purl.org/dc/terms/"/>
-    <ds:schemaRef ds:uri="http://schemas.microsoft.com/internal/obd"/>
+    <ds:schemaRef ds:uri="http://schemas.microsoft.com/sharepoint/v3/contenttype/forms"/>
   </ds:schemaRefs>
 </ds:datastoreItem>
+</file>
+
+<file path=docMetadata/LabelInfo.xml><?xml version="1.0" encoding="utf-8"?>
+<clbl:labelList xmlns:clbl="http://schemas.microsoft.com/office/2020/mipLabelMetadata">
+  <clbl:label id="{f42aa342-8706-4288-bd11-ebb85995028c}" enabled="1" method="Privileged" siteId="{72f988bf-86f1-41af-91ab-2d7cd011db47}" removed="0"/>
+</clbl:labelList>
 </file>